--- a/ML integration.pptx
+++ b/ML integration.pptx
@@ -5,17 +5,22 @@
     <p:sldMasterId id="2147483648" r:id="rId1"/>
   </p:sldMasterIdLst>
   <p:notesMasterIdLst>
-    <p:notesMasterId r:id="rId10"/>
+    <p:notesMasterId r:id="rId15"/>
   </p:notesMasterIdLst>
   <p:sldIdLst>
     <p:sldId id="260" r:id="rId2"/>
     <p:sldId id="264" r:id="rId3"/>
-    <p:sldId id="1280" r:id="rId4"/>
-    <p:sldId id="258" r:id="rId5"/>
-    <p:sldId id="1281" r:id="rId6"/>
-    <p:sldId id="257" r:id="rId7"/>
-    <p:sldId id="259" r:id="rId8"/>
-    <p:sldId id="261" r:id="rId9"/>
+    <p:sldId id="1282" r:id="rId4"/>
+    <p:sldId id="1280" r:id="rId5"/>
+    <p:sldId id="258" r:id="rId6"/>
+    <p:sldId id="1281" r:id="rId7"/>
+    <p:sldId id="257" r:id="rId8"/>
+    <p:sldId id="259" r:id="rId9"/>
+    <p:sldId id="261" r:id="rId10"/>
+    <p:sldId id="1283" r:id="rId11"/>
+    <p:sldId id="1284" r:id="rId12"/>
+    <p:sldId id="1286" r:id="rId13"/>
+    <p:sldId id="1285" r:id="rId14"/>
   </p:sldIdLst>
   <p:sldSz cx="12192000" cy="6858000"/>
   <p:notesSz cx="6858000" cy="9144000"/>
@@ -823,7 +828,7 @@
               <a:pPr>
                 <a:defRPr/>
               </a:pPr>
-              <a:t>3</a:t>
+              <a:t>4</a:t>
             </a:fld>
             <a:endParaRPr lang="en-US"/>
           </a:p>
@@ -833,6 +838,90 @@
     <p:extLst>
       <p:ext uri="{BB962C8B-B14F-4D97-AF65-F5344CB8AC3E}">
         <p14:creationId xmlns:p14="http://schemas.microsoft.com/office/powerpoint/2010/main" val="935378773"/>
+      </p:ext>
+    </p:extLst>
+  </p:cSld>
+  <p:clrMapOvr>
+    <a:masterClrMapping/>
+  </p:clrMapOvr>
+</p:notes>
+</file>
+
+<file path=ppt/notesSlides/notesSlide2.xml><?xml version="1.0" encoding="utf-8"?>
+<p:notes xmlns:a="http://schemas.openxmlformats.org/drawingml/2006/main" xmlns:r="http://schemas.openxmlformats.org/officeDocument/2006/relationships" xmlns:p="http://schemas.openxmlformats.org/presentationml/2006/main">
+  <p:cSld>
+    <p:spTree>
+      <p:nvGrpSpPr>
+        <p:cNvPr id="1" name=""/>
+        <p:cNvGrpSpPr/>
+        <p:nvPr/>
+      </p:nvGrpSpPr>
+      <p:grpSpPr>
+        <a:xfrm>
+          <a:off x="0" y="0"/>
+          <a:ext cx="0" cy="0"/>
+          <a:chOff x="0" y="0"/>
+          <a:chExt cx="0" cy="0"/>
+        </a:xfrm>
+      </p:grpSpPr>
+      <p:sp>
+        <p:nvSpPr>
+          <p:cNvPr id="2" name="Slide Image Placeholder 1"/>
+          <p:cNvSpPr>
+            <a:spLocks noGrp="1" noRot="1" noChangeAspect="1"/>
+          </p:cNvSpPr>
+          <p:nvPr>
+            <p:ph type="sldImg"/>
+          </p:nvPr>
+        </p:nvSpPr>
+        <p:spPr/>
+      </p:sp>
+      <p:sp>
+        <p:nvSpPr>
+          <p:cNvPr id="3" name="Notes Placeholder 2"/>
+          <p:cNvSpPr>
+            <a:spLocks noGrp="1"/>
+          </p:cNvSpPr>
+          <p:nvPr>
+            <p:ph type="body" idx="1"/>
+          </p:nvPr>
+        </p:nvSpPr>
+        <p:spPr/>
+        <p:txBody>
+          <a:bodyPr/>
+          <a:lstStyle/>
+          <a:p>
+            <a:endParaRPr lang="en-US" dirty="0"/>
+          </a:p>
+        </p:txBody>
+      </p:sp>
+      <p:sp>
+        <p:nvSpPr>
+          <p:cNvPr id="4" name="Slide Number Placeholder 3"/>
+          <p:cNvSpPr>
+            <a:spLocks noGrp="1"/>
+          </p:cNvSpPr>
+          <p:nvPr>
+            <p:ph type="sldNum" sz="quarter" idx="5"/>
+          </p:nvPr>
+        </p:nvSpPr>
+        <p:spPr/>
+        <p:txBody>
+          <a:bodyPr/>
+          <a:lstStyle/>
+          <a:p>
+            <a:fld id="{4103E428-C609-3446-B25A-3B716964B597}" type="slidenum">
+              <a:rPr lang="en-US" smtClean="0"/>
+              <a:t>13</a:t>
+            </a:fld>
+            <a:endParaRPr lang="en-US"/>
+          </a:p>
+        </p:txBody>
+      </p:sp>
+    </p:spTree>
+    <p:extLst>
+      <p:ext uri="{BB962C8B-B14F-4D97-AF65-F5344CB8AC3E}">
+        <p14:creationId xmlns:p14="http://schemas.microsoft.com/office/powerpoint/2010/main" val="2712387912"/>
       </p:ext>
     </p:extLst>
   </p:cSld>
@@ -7016,6 +7105,622 @@
     <p:extLst>
       <p:ext uri="{BB962C8B-B14F-4D97-AF65-F5344CB8AC3E}">
         <p14:creationId xmlns:p14="http://schemas.microsoft.com/office/powerpoint/2010/main" val="2438175971"/>
+      </p:ext>
+    </p:extLst>
+  </p:cSld>
+  <p:clrMapOvr>
+    <a:masterClrMapping/>
+  </p:clrMapOvr>
+</p:sld>
+</file>
+
+<file path=ppt/slides/slide10.xml><?xml version="1.0" encoding="utf-8"?>
+<p:sld xmlns:a="http://schemas.openxmlformats.org/drawingml/2006/main" xmlns:r="http://schemas.openxmlformats.org/officeDocument/2006/relationships" xmlns:p="http://schemas.openxmlformats.org/presentationml/2006/main">
+  <p:cSld>
+    <p:spTree>
+      <p:nvGrpSpPr>
+        <p:cNvPr id="1" name=""/>
+        <p:cNvGrpSpPr/>
+        <p:nvPr/>
+      </p:nvGrpSpPr>
+      <p:grpSpPr>
+        <a:xfrm>
+          <a:off x="0" y="0"/>
+          <a:ext cx="0" cy="0"/>
+          <a:chOff x="0" y="0"/>
+          <a:chExt cx="0" cy="0"/>
+        </a:xfrm>
+      </p:grpSpPr>
+      <p:sp>
+        <p:nvSpPr>
+          <p:cNvPr id="2" name="Title 1">
+            <a:extLst>
+              <a:ext uri="{FF2B5EF4-FFF2-40B4-BE49-F238E27FC236}">
+                <a16:creationId xmlns:a16="http://schemas.microsoft.com/office/drawing/2014/main" id="{F34AF922-9DFC-BF25-6517-D78A94CAEC0B}"/>
+              </a:ext>
+            </a:extLst>
+          </p:cNvPr>
+          <p:cNvSpPr>
+            <a:spLocks noGrp="1"/>
+          </p:cNvSpPr>
+          <p:nvPr>
+            <p:ph type="title"/>
+          </p:nvPr>
+        </p:nvSpPr>
+        <p:spPr/>
+        <p:txBody>
+          <a:bodyPr/>
+          <a:lstStyle/>
+          <a:p>
+            <a:endParaRPr lang="en-US" dirty="0"/>
+          </a:p>
+        </p:txBody>
+      </p:sp>
+      <p:sp>
+        <p:nvSpPr>
+          <p:cNvPr id="3" name="Content Placeholder 2">
+            <a:extLst>
+              <a:ext uri="{FF2B5EF4-FFF2-40B4-BE49-F238E27FC236}">
+                <a16:creationId xmlns:a16="http://schemas.microsoft.com/office/drawing/2014/main" id="{D4B26BE1-CED9-6CC7-FCB7-7C948E636A69}"/>
+              </a:ext>
+            </a:extLst>
+          </p:cNvPr>
+          <p:cNvSpPr>
+            <a:spLocks noGrp="1"/>
+          </p:cNvSpPr>
+          <p:nvPr>
+            <p:ph idx="1"/>
+          </p:nvPr>
+        </p:nvSpPr>
+        <p:spPr/>
+        <p:txBody>
+          <a:bodyPr/>
+          <a:lstStyle/>
+          <a:p>
+            <a:r>
+              <a:rPr lang="en-US" dirty="0"/>
+              <a:t>Zipf’s distribution</a:t>
+            </a:r>
+          </a:p>
+          <a:p>
+            <a:r>
+              <a:rPr lang="en-US" dirty="0"/>
+              <a:t>Poisson distribution</a:t>
+            </a:r>
+          </a:p>
+          <a:p>
+            <a:r>
+              <a:rPr lang="en-US" dirty="0"/>
+              <a:t>Kurtosis</a:t>
+            </a:r>
+          </a:p>
+          <a:p>
+            <a:endParaRPr lang="en-US" dirty="0"/>
+          </a:p>
+        </p:txBody>
+      </p:sp>
+    </p:spTree>
+    <p:extLst>
+      <p:ext uri="{BB962C8B-B14F-4D97-AF65-F5344CB8AC3E}">
+        <p14:creationId xmlns:p14="http://schemas.microsoft.com/office/powerpoint/2010/main" val="2205751022"/>
+      </p:ext>
+    </p:extLst>
+  </p:cSld>
+  <p:clrMapOvr>
+    <a:masterClrMapping/>
+  </p:clrMapOvr>
+</p:sld>
+</file>
+
+<file path=ppt/slides/slide11.xml><?xml version="1.0" encoding="utf-8"?>
+<p:sld xmlns:a="http://schemas.openxmlformats.org/drawingml/2006/main" xmlns:r="http://schemas.openxmlformats.org/officeDocument/2006/relationships" xmlns:p="http://schemas.openxmlformats.org/presentationml/2006/main">
+  <p:cSld>
+    <p:spTree>
+      <p:nvGrpSpPr>
+        <p:cNvPr id="1" name=""/>
+        <p:cNvGrpSpPr/>
+        <p:nvPr/>
+      </p:nvGrpSpPr>
+      <p:grpSpPr>
+        <a:xfrm>
+          <a:off x="0" y="0"/>
+          <a:ext cx="0" cy="0"/>
+          <a:chOff x="0" y="0"/>
+          <a:chExt cx="0" cy="0"/>
+        </a:xfrm>
+      </p:grpSpPr>
+      <p:sp>
+        <p:nvSpPr>
+          <p:cNvPr id="2" name="Title 1">
+            <a:extLst>
+              <a:ext uri="{FF2B5EF4-FFF2-40B4-BE49-F238E27FC236}">
+                <a16:creationId xmlns:a16="http://schemas.microsoft.com/office/drawing/2014/main" id="{666C190E-F570-7963-4FFB-1742A78B9352}"/>
+              </a:ext>
+            </a:extLst>
+          </p:cNvPr>
+          <p:cNvSpPr>
+            <a:spLocks noGrp="1"/>
+          </p:cNvSpPr>
+          <p:nvPr>
+            <p:ph type="title"/>
+          </p:nvPr>
+        </p:nvSpPr>
+        <p:spPr/>
+        <p:txBody>
+          <a:bodyPr/>
+          <a:lstStyle/>
+          <a:p>
+            <a:r>
+              <a:rPr lang="en-US" dirty="0"/>
+              <a:t>K-core Spectrums– Zipf’s Fit</a:t>
+            </a:r>
+          </a:p>
+        </p:txBody>
+      </p:sp>
+      <p:pic>
+        <p:nvPicPr>
+          <p:cNvPr id="4098" name="Picture 2">
+            <a:extLst>
+              <a:ext uri="{FF2B5EF4-FFF2-40B4-BE49-F238E27FC236}">
+                <a16:creationId xmlns:a16="http://schemas.microsoft.com/office/drawing/2014/main" id="{ACF906AB-D01E-49C4-8CA2-16C7012609E7}"/>
+              </a:ext>
+            </a:extLst>
+          </p:cNvPr>
+          <p:cNvPicPr>
+            <a:picLocks noChangeAspect="1" noChangeArrowheads="1"/>
+          </p:cNvPicPr>
+          <p:nvPr/>
+        </p:nvPicPr>
+        <p:blipFill>
+          <a:blip r:embed="rId2">
+            <a:extLst>
+              <a:ext uri="{28A0092B-C50C-407E-A947-70E740481C1C}">
+                <a14:useLocalDpi xmlns:a14="http://schemas.microsoft.com/office/drawing/2010/main" val="0"/>
+              </a:ext>
+            </a:extLst>
+          </a:blip>
+          <a:srcRect/>
+          <a:stretch>
+            <a:fillRect/>
+          </a:stretch>
+        </p:blipFill>
+        <p:spPr bwMode="auto">
+          <a:xfrm>
+            <a:off x="260286" y="1690688"/>
+            <a:ext cx="5733955" cy="3556504"/>
+          </a:xfrm>
+          <a:prstGeom prst="rect">
+            <a:avLst/>
+          </a:prstGeom>
+          <a:noFill/>
+          <a:extLst>
+            <a:ext uri="{909E8E84-426E-40DD-AFC4-6F175D3DCCD1}">
+              <a14:hiddenFill xmlns:a14="http://schemas.microsoft.com/office/drawing/2010/main">
+                <a:solidFill>
+                  <a:srgbClr val="FFFFFF"/>
+                </a:solidFill>
+              </a14:hiddenFill>
+            </a:ext>
+          </a:extLst>
+        </p:spPr>
+      </p:pic>
+      <p:pic>
+        <p:nvPicPr>
+          <p:cNvPr id="4100" name="Picture 4">
+            <a:extLst>
+              <a:ext uri="{FF2B5EF4-FFF2-40B4-BE49-F238E27FC236}">
+                <a16:creationId xmlns:a16="http://schemas.microsoft.com/office/drawing/2014/main" id="{03262EA4-98BF-5726-95B5-162852FD3AF8}"/>
+              </a:ext>
+            </a:extLst>
+          </p:cNvPr>
+          <p:cNvPicPr>
+            <a:picLocks noChangeAspect="1" noChangeArrowheads="1"/>
+          </p:cNvPicPr>
+          <p:nvPr/>
+        </p:nvPicPr>
+        <p:blipFill>
+          <a:blip r:embed="rId3">
+            <a:extLst>
+              <a:ext uri="{28A0092B-C50C-407E-A947-70E740481C1C}">
+                <a14:useLocalDpi xmlns:a14="http://schemas.microsoft.com/office/drawing/2010/main" val="0"/>
+              </a:ext>
+            </a:extLst>
+          </a:blip>
+          <a:srcRect/>
+          <a:stretch>
+            <a:fillRect/>
+          </a:stretch>
+        </p:blipFill>
+        <p:spPr bwMode="auto">
+          <a:xfrm>
+            <a:off x="6202059" y="1690688"/>
+            <a:ext cx="5619331" cy="3494254"/>
+          </a:xfrm>
+          <a:prstGeom prst="rect">
+            <a:avLst/>
+          </a:prstGeom>
+          <a:noFill/>
+          <a:extLst>
+            <a:ext uri="{909E8E84-426E-40DD-AFC4-6F175D3DCCD1}">
+              <a14:hiddenFill xmlns:a14="http://schemas.microsoft.com/office/drawing/2010/main">
+                <a:solidFill>
+                  <a:srgbClr val="FFFFFF"/>
+                </a:solidFill>
+              </a14:hiddenFill>
+            </a:ext>
+          </a:extLst>
+        </p:spPr>
+      </p:pic>
+      <p:sp>
+        <p:nvSpPr>
+          <p:cNvPr id="6" name="TextBox 5">
+            <a:extLst>
+              <a:ext uri="{FF2B5EF4-FFF2-40B4-BE49-F238E27FC236}">
+                <a16:creationId xmlns:a16="http://schemas.microsoft.com/office/drawing/2014/main" id="{813AE020-CDF9-93EE-9AB6-9FBED4341652}"/>
+              </a:ext>
+            </a:extLst>
+          </p:cNvPr>
+          <p:cNvSpPr txBox="1"/>
+          <p:nvPr/>
+        </p:nvSpPr>
+        <p:spPr>
+          <a:xfrm>
+            <a:off x="3719945" y="5860473"/>
+            <a:ext cx="4105291" cy="646331"/>
+          </a:xfrm>
+          <a:prstGeom prst="rect">
+            <a:avLst/>
+          </a:prstGeom>
+          <a:noFill/>
+        </p:spPr>
+        <p:txBody>
+          <a:bodyPr wrap="none" rtlCol="0">
+            <a:spAutoFit/>
+          </a:bodyPr>
+          <a:lstStyle/>
+          <a:p>
+            <a:r>
+              <a:rPr lang="en-US" dirty="0"/>
+              <a:t>Sequential model to be used.</a:t>
+            </a:r>
+          </a:p>
+          <a:p>
+            <a:r>
+              <a:rPr lang="en-US" dirty="0"/>
+              <a:t>Prepare data (kore number, size of core)</a:t>
+            </a:r>
+          </a:p>
+        </p:txBody>
+      </p:sp>
+    </p:spTree>
+    <p:extLst>
+      <p:ext uri="{BB962C8B-B14F-4D97-AF65-F5344CB8AC3E}">
+        <p14:creationId xmlns:p14="http://schemas.microsoft.com/office/powerpoint/2010/main" val="4002789649"/>
+      </p:ext>
+    </p:extLst>
+  </p:cSld>
+  <p:clrMapOvr>
+    <a:masterClrMapping/>
+  </p:clrMapOvr>
+</p:sld>
+</file>
+
+<file path=ppt/slides/slide12.xml><?xml version="1.0" encoding="utf-8"?>
+<p:sld xmlns:a="http://schemas.openxmlformats.org/drawingml/2006/main" xmlns:r="http://schemas.openxmlformats.org/officeDocument/2006/relationships" xmlns:p="http://schemas.openxmlformats.org/presentationml/2006/main">
+  <p:cSld>
+    <p:spTree>
+      <p:nvGrpSpPr>
+        <p:cNvPr id="1" name=""/>
+        <p:cNvGrpSpPr/>
+        <p:nvPr/>
+      </p:nvGrpSpPr>
+      <p:grpSpPr>
+        <a:xfrm>
+          <a:off x="0" y="0"/>
+          <a:ext cx="0" cy="0"/>
+          <a:chOff x="0" y="0"/>
+          <a:chExt cx="0" cy="0"/>
+        </a:xfrm>
+      </p:grpSpPr>
+      <p:pic>
+        <p:nvPicPr>
+          <p:cNvPr id="6146" name="Picture 2">
+            <a:extLst>
+              <a:ext uri="{FF2B5EF4-FFF2-40B4-BE49-F238E27FC236}">
+                <a16:creationId xmlns:a16="http://schemas.microsoft.com/office/drawing/2014/main" id="{3FE4468A-1725-EAF0-4CF8-7D636775F3B9}"/>
+              </a:ext>
+            </a:extLst>
+          </p:cNvPr>
+          <p:cNvPicPr>
+            <a:picLocks noChangeAspect="1" noChangeArrowheads="1"/>
+          </p:cNvPicPr>
+          <p:nvPr/>
+        </p:nvPicPr>
+        <p:blipFill>
+          <a:blip r:embed="rId2">
+            <a:extLst>
+              <a:ext uri="{28A0092B-C50C-407E-A947-70E740481C1C}">
+                <a14:useLocalDpi xmlns:a14="http://schemas.microsoft.com/office/drawing/2010/main" val="0"/>
+              </a:ext>
+            </a:extLst>
+          </a:blip>
+          <a:srcRect/>
+          <a:stretch>
+            <a:fillRect/>
+          </a:stretch>
+        </p:blipFill>
+        <p:spPr bwMode="auto">
+          <a:xfrm>
+            <a:off x="546099" y="1984094"/>
+            <a:ext cx="5352473" cy="3319888"/>
+          </a:xfrm>
+          <a:prstGeom prst="rect">
+            <a:avLst/>
+          </a:prstGeom>
+          <a:noFill/>
+          <a:extLst>
+            <a:ext uri="{909E8E84-426E-40DD-AFC4-6F175D3DCCD1}">
+              <a14:hiddenFill xmlns:a14="http://schemas.microsoft.com/office/drawing/2010/main">
+                <a:solidFill>
+                  <a:srgbClr val="FFFFFF"/>
+                </a:solidFill>
+              </a14:hiddenFill>
+            </a:ext>
+          </a:extLst>
+        </p:spPr>
+      </p:pic>
+      <p:pic>
+        <p:nvPicPr>
+          <p:cNvPr id="6148" name="Picture 4">
+            <a:extLst>
+              <a:ext uri="{FF2B5EF4-FFF2-40B4-BE49-F238E27FC236}">
+                <a16:creationId xmlns:a16="http://schemas.microsoft.com/office/drawing/2014/main" id="{6B393EAB-D173-D51E-F49A-380E3D6F24D3}"/>
+              </a:ext>
+            </a:extLst>
+          </p:cNvPr>
+          <p:cNvPicPr>
+            <a:picLocks noChangeAspect="1" noChangeArrowheads="1"/>
+          </p:cNvPicPr>
+          <p:nvPr/>
+        </p:nvPicPr>
+        <p:blipFill>
+          <a:blip r:embed="rId3">
+            <a:extLst>
+              <a:ext uri="{28A0092B-C50C-407E-A947-70E740481C1C}">
+                <a14:useLocalDpi xmlns:a14="http://schemas.microsoft.com/office/drawing/2010/main" val="0"/>
+              </a:ext>
+            </a:extLst>
+          </a:blip>
+          <a:srcRect/>
+          <a:stretch>
+            <a:fillRect/>
+          </a:stretch>
+        </p:blipFill>
+        <p:spPr bwMode="auto">
+          <a:xfrm>
+            <a:off x="6234544" y="1984093"/>
+            <a:ext cx="5352471" cy="3319887"/>
+          </a:xfrm>
+          <a:prstGeom prst="rect">
+            <a:avLst/>
+          </a:prstGeom>
+          <a:noFill/>
+          <a:extLst>
+            <a:ext uri="{909E8E84-426E-40DD-AFC4-6F175D3DCCD1}">
+              <a14:hiddenFill xmlns:a14="http://schemas.microsoft.com/office/drawing/2010/main">
+                <a:solidFill>
+                  <a:srgbClr val="FFFFFF"/>
+                </a:solidFill>
+              </a14:hiddenFill>
+            </a:ext>
+          </a:extLst>
+        </p:spPr>
+      </p:pic>
+      <p:sp>
+        <p:nvSpPr>
+          <p:cNvPr id="4" name="Title 1">
+            <a:extLst>
+              <a:ext uri="{FF2B5EF4-FFF2-40B4-BE49-F238E27FC236}">
+                <a16:creationId xmlns:a16="http://schemas.microsoft.com/office/drawing/2014/main" id="{1F13E42D-0380-053F-3038-B4AD0F3CCE4E}"/>
+              </a:ext>
+            </a:extLst>
+          </p:cNvPr>
+          <p:cNvSpPr>
+            <a:spLocks noGrp="1"/>
+          </p:cNvSpPr>
+          <p:nvPr>
+            <p:ph type="title"/>
+          </p:nvPr>
+        </p:nvSpPr>
+        <p:spPr>
+          <a:xfrm>
+            <a:off x="838200" y="365125"/>
+            <a:ext cx="10515600" cy="1325563"/>
+          </a:xfrm>
+        </p:spPr>
+        <p:txBody>
+          <a:bodyPr/>
+          <a:lstStyle/>
+          <a:p>
+            <a:r>
+              <a:rPr lang="en-US" dirty="0"/>
+              <a:t>K-core Spectrums– Zipf’s Fit</a:t>
+            </a:r>
+          </a:p>
+        </p:txBody>
+      </p:sp>
+    </p:spTree>
+    <p:extLst>
+      <p:ext uri="{BB962C8B-B14F-4D97-AF65-F5344CB8AC3E}">
+        <p14:creationId xmlns:p14="http://schemas.microsoft.com/office/powerpoint/2010/main" val="1821201082"/>
+      </p:ext>
+    </p:extLst>
+  </p:cSld>
+  <p:clrMapOvr>
+    <a:masterClrMapping/>
+  </p:clrMapOvr>
+</p:sld>
+</file>
+
+<file path=ppt/slides/slide13.xml><?xml version="1.0" encoding="utf-8"?>
+<p:sld xmlns:a="http://schemas.openxmlformats.org/drawingml/2006/main" xmlns:r="http://schemas.openxmlformats.org/officeDocument/2006/relationships" xmlns:p="http://schemas.openxmlformats.org/presentationml/2006/main">
+  <p:cSld>
+    <p:spTree>
+      <p:nvGrpSpPr>
+        <p:cNvPr id="1" name=""/>
+        <p:cNvGrpSpPr/>
+        <p:nvPr/>
+      </p:nvGrpSpPr>
+      <p:grpSpPr>
+        <a:xfrm>
+          <a:off x="0" y="0"/>
+          <a:ext cx="0" cy="0"/>
+          <a:chOff x="0" y="0"/>
+          <a:chExt cx="0" cy="0"/>
+        </a:xfrm>
+      </p:grpSpPr>
+      <p:sp>
+        <p:nvSpPr>
+          <p:cNvPr id="2" name="Title 1">
+            <a:extLst>
+              <a:ext uri="{FF2B5EF4-FFF2-40B4-BE49-F238E27FC236}">
+                <a16:creationId xmlns:a16="http://schemas.microsoft.com/office/drawing/2014/main" id="{844E3BE4-3550-E324-439F-28D6FAD421DE}"/>
+              </a:ext>
+            </a:extLst>
+          </p:cNvPr>
+          <p:cNvSpPr>
+            <a:spLocks noGrp="1"/>
+          </p:cNvSpPr>
+          <p:nvPr>
+            <p:ph type="title"/>
+          </p:nvPr>
+        </p:nvSpPr>
+        <p:spPr/>
+        <p:txBody>
+          <a:bodyPr/>
+          <a:lstStyle/>
+          <a:p>
+            <a:r>
+              <a:rPr lang="en-US" dirty="0"/>
+              <a:t>Poisson distribution fit</a:t>
+            </a:r>
+          </a:p>
+        </p:txBody>
+      </p:sp>
+      <p:sp>
+        <p:nvSpPr>
+          <p:cNvPr id="6" name="AutoShape 8">
+            <a:extLst>
+              <a:ext uri="{FF2B5EF4-FFF2-40B4-BE49-F238E27FC236}">
+                <a16:creationId xmlns:a16="http://schemas.microsoft.com/office/drawing/2014/main" id="{9224E742-FE79-5FBB-56E8-EB1A18BE4DE8}"/>
+              </a:ext>
+            </a:extLst>
+          </p:cNvPr>
+          <p:cNvSpPr>
+            <a:spLocks noChangeAspect="1" noChangeArrowheads="1"/>
+          </p:cNvSpPr>
+          <p:nvPr/>
+        </p:nvSpPr>
+        <p:spPr bwMode="auto">
+          <a:xfrm>
+            <a:off x="5943600" y="3276600"/>
+            <a:ext cx="2899064" cy="2899064"/>
+          </a:xfrm>
+          <a:prstGeom prst="rect">
+            <a:avLst/>
+          </a:prstGeom>
+          <a:noFill/>
+          <a:extLst>
+            <a:ext uri="{909E8E84-426E-40DD-AFC4-6F175D3DCCD1}">
+              <a14:hiddenFill xmlns:a14="http://schemas.microsoft.com/office/drawing/2010/main">
+                <a:solidFill>
+                  <a:srgbClr val="FFFFFF"/>
+                </a:solidFill>
+              </a14:hiddenFill>
+            </a:ext>
+          </a:extLst>
+        </p:spPr>
+        <p:txBody>
+          <a:bodyPr vert="horz" wrap="square" lIns="91440" tIns="45720" rIns="91440" bIns="45720" numCol="1" anchor="t" anchorCtr="0" compatLnSpc="1">
+            <a:prstTxWarp prst="textNoShape">
+              <a:avLst/>
+            </a:prstTxWarp>
+          </a:bodyPr>
+          <a:lstStyle/>
+          <a:p>
+            <a:endParaRPr lang="en-US"/>
+          </a:p>
+        </p:txBody>
+      </p:sp>
+      <p:sp>
+        <p:nvSpPr>
+          <p:cNvPr id="9" name="TextBox 8">
+            <a:extLst>
+              <a:ext uri="{FF2B5EF4-FFF2-40B4-BE49-F238E27FC236}">
+                <a16:creationId xmlns:a16="http://schemas.microsoft.com/office/drawing/2014/main" id="{29073C21-74BD-A201-566B-C804C8DF4550}"/>
+              </a:ext>
+            </a:extLst>
+          </p:cNvPr>
+          <p:cNvSpPr txBox="1"/>
+          <p:nvPr/>
+        </p:nvSpPr>
+        <p:spPr>
+          <a:xfrm>
+            <a:off x="2296391" y="5806332"/>
+            <a:ext cx="7844327" cy="369332"/>
+          </a:xfrm>
+          <a:prstGeom prst="rect">
+            <a:avLst/>
+          </a:prstGeom>
+          <a:noFill/>
+        </p:spPr>
+        <p:txBody>
+          <a:bodyPr wrap="none" rtlCol="0">
+            <a:spAutoFit/>
+          </a:bodyPr>
+          <a:lstStyle/>
+          <a:p>
+            <a:r>
+              <a:rPr lang="en-US" dirty="0"/>
+              <a:t>Poisson fit is not a good choice, data is descending and have smaller variance</a:t>
+            </a:r>
+          </a:p>
+        </p:txBody>
+      </p:sp>
+      <p:pic>
+        <p:nvPicPr>
+          <p:cNvPr id="11" name="Picture 10" descr="A graph of data and a graph of data&#10;&#10;AI-generated content may be incorrect.">
+            <a:extLst>
+              <a:ext uri="{FF2B5EF4-FFF2-40B4-BE49-F238E27FC236}">
+                <a16:creationId xmlns:a16="http://schemas.microsoft.com/office/drawing/2014/main" id="{11C93625-E9CA-08CA-48F2-4BF1827EFBAA}"/>
+              </a:ext>
+            </a:extLst>
+          </p:cNvPr>
+          <p:cNvPicPr>
+            <a:picLocks noChangeAspect="1"/>
+          </p:cNvPicPr>
+          <p:nvPr/>
+        </p:nvPicPr>
+        <p:blipFill>
+          <a:blip r:embed="rId3"/>
+          <a:stretch>
+            <a:fillRect/>
+          </a:stretch>
+        </p:blipFill>
+        <p:spPr>
+          <a:xfrm>
+            <a:off x="273010" y="1549226"/>
+            <a:ext cx="11645979" cy="3968346"/>
+          </a:xfrm>
+          <a:prstGeom prst="rect">
+            <a:avLst/>
+          </a:prstGeom>
+        </p:spPr>
+      </p:pic>
+    </p:spTree>
+    <p:extLst>
+      <p:ext uri="{BB962C8B-B14F-4D97-AF65-F5344CB8AC3E}">
+        <p14:creationId xmlns:p14="http://schemas.microsoft.com/office/powerpoint/2010/main" val="260787842"/>
       </p:ext>
     </p:extLst>
   </p:cSld>
@@ -10437,6 +11142,130 @@
 </file>
 
 <file path=ppt/slides/slide3.xml><?xml version="1.0" encoding="utf-8"?>
+<p:sld xmlns:a="http://schemas.openxmlformats.org/drawingml/2006/main" xmlns:r="http://schemas.openxmlformats.org/officeDocument/2006/relationships" xmlns:p="http://schemas.openxmlformats.org/presentationml/2006/main">
+  <p:cSld>
+    <p:spTree>
+      <p:nvGrpSpPr>
+        <p:cNvPr id="1" name=""/>
+        <p:cNvGrpSpPr/>
+        <p:nvPr/>
+      </p:nvGrpSpPr>
+      <p:grpSpPr>
+        <a:xfrm>
+          <a:off x="0" y="0"/>
+          <a:ext cx="0" cy="0"/>
+          <a:chOff x="0" y="0"/>
+          <a:chExt cx="0" cy="0"/>
+        </a:xfrm>
+      </p:grpSpPr>
+      <p:sp>
+        <p:nvSpPr>
+          <p:cNvPr id="2" name="Title 1">
+            <a:extLst>
+              <a:ext uri="{FF2B5EF4-FFF2-40B4-BE49-F238E27FC236}">
+                <a16:creationId xmlns:a16="http://schemas.microsoft.com/office/drawing/2014/main" id="{2AF5BE7B-0DAD-941F-0818-550E74709ECB}"/>
+              </a:ext>
+            </a:extLst>
+          </p:cNvPr>
+          <p:cNvSpPr>
+            <a:spLocks noGrp="1"/>
+          </p:cNvSpPr>
+          <p:nvPr>
+            <p:ph type="title"/>
+          </p:nvPr>
+        </p:nvSpPr>
+        <p:spPr/>
+        <p:txBody>
+          <a:bodyPr/>
+          <a:lstStyle/>
+          <a:p>
+            <a:r>
+              <a:rPr lang="en-US" dirty="0"/>
+              <a:t>Upper bound</a:t>
+            </a:r>
+          </a:p>
+        </p:txBody>
+      </p:sp>
+      <p:sp>
+        <p:nvSpPr>
+          <p:cNvPr id="3" name="Content Placeholder 2">
+            <a:extLst>
+              <a:ext uri="{FF2B5EF4-FFF2-40B4-BE49-F238E27FC236}">
+                <a16:creationId xmlns:a16="http://schemas.microsoft.com/office/drawing/2014/main" id="{05D6E126-709E-1563-326E-5238B4A5A1FA}"/>
+              </a:ext>
+            </a:extLst>
+          </p:cNvPr>
+          <p:cNvSpPr>
+            <a:spLocks noGrp="1"/>
+          </p:cNvSpPr>
+          <p:nvPr>
+            <p:ph idx="1"/>
+          </p:nvPr>
+        </p:nvSpPr>
+        <p:spPr/>
+        <p:txBody>
+          <a:bodyPr/>
+          <a:lstStyle/>
+          <a:p>
+            <a:pPr marL="0" indent="0">
+              <a:buNone/>
+            </a:pPr>
+            <a:r>
+              <a:rPr lang="en-US" dirty="0"/>
+              <a:t>Upper bound of k-plex is core(G)+k</a:t>
+            </a:r>
+          </a:p>
+          <a:p>
+            <a:pPr marL="0" indent="0">
+              <a:buNone/>
+            </a:pPr>
+            <a:r>
+              <a:rPr lang="en-US" dirty="0"/>
+              <a:t>Proof by contradiction:</a:t>
+            </a:r>
+          </a:p>
+          <a:p>
+            <a:pPr marL="457200" lvl="1" indent="0">
+              <a:buNone/>
+            </a:pPr>
+            <a:r>
+              <a:rPr lang="en-US" dirty="0"/>
+              <a:t>Assume there exist a k-plex larger than core(G)+k </a:t>
+            </a:r>
+            <a:r>
+              <a:rPr lang="en-US" dirty="0" err="1"/>
+              <a:t>i.e</a:t>
+            </a:r>
+            <a:r>
+              <a:rPr lang="en-US" dirty="0"/>
+              <a:t> :</a:t>
+            </a:r>
+          </a:p>
+          <a:p>
+            <a:pPr marL="457200" lvl="1" indent="0">
+              <a:buNone/>
+            </a:pPr>
+            <a:r>
+              <a:rPr lang="en-US" dirty="0"/>
+              <a:t>|P| &gt; core(G)+k, then every vertex in P must have degree &gt; core(G)+k-k. So P can exist in a core larger than core(G), which a contradiction</a:t>
+            </a:r>
+          </a:p>
+        </p:txBody>
+      </p:sp>
+    </p:spTree>
+    <p:extLst>
+      <p:ext uri="{BB962C8B-B14F-4D97-AF65-F5344CB8AC3E}">
+        <p14:creationId xmlns:p14="http://schemas.microsoft.com/office/powerpoint/2010/main" val="3039182063"/>
+      </p:ext>
+    </p:extLst>
+  </p:cSld>
+  <p:clrMapOvr>
+    <a:masterClrMapping/>
+  </p:clrMapOvr>
+</p:sld>
+</file>
+
+<file path=ppt/slides/slide4.xml><?xml version="1.0" encoding="utf-8"?>
 <p:sld xmlns:a="http://schemas.openxmlformats.org/drawingml/2006/main" xmlns:r="http://schemas.openxmlformats.org/officeDocument/2006/relationships" xmlns:p="http://schemas.openxmlformats.org/presentationml/2006/main">
   <p:cSld>
     <p:spTree>
@@ -11743,275 +12572,6 @@
 </p:sld>
 </file>
 
-<file path=ppt/slides/slide4.xml><?xml version="1.0" encoding="utf-8"?>
-<p:sld xmlns:a="http://schemas.openxmlformats.org/drawingml/2006/main" xmlns:r="http://schemas.openxmlformats.org/officeDocument/2006/relationships" xmlns:p="http://schemas.openxmlformats.org/presentationml/2006/main">
-  <p:cSld>
-    <p:spTree>
-      <p:nvGrpSpPr>
-        <p:cNvPr id="1" name=""/>
-        <p:cNvGrpSpPr/>
-        <p:nvPr/>
-      </p:nvGrpSpPr>
-      <p:grpSpPr>
-        <a:xfrm>
-          <a:off x="0" y="0"/>
-          <a:ext cx="0" cy="0"/>
-          <a:chOff x="0" y="0"/>
-          <a:chExt cx="0" cy="0"/>
-        </a:xfrm>
-      </p:grpSpPr>
-      <p:sp>
-        <p:nvSpPr>
-          <p:cNvPr id="2" name="Title 1">
-            <a:extLst>
-              <a:ext uri="{FF2B5EF4-FFF2-40B4-BE49-F238E27FC236}">
-                <a16:creationId xmlns:a16="http://schemas.microsoft.com/office/drawing/2014/main" id="{DA525CA3-624A-B64E-1050-02163816B789}"/>
-              </a:ext>
-            </a:extLst>
-          </p:cNvPr>
-          <p:cNvSpPr>
-            <a:spLocks noGrp="1"/>
-          </p:cNvSpPr>
-          <p:nvPr>
-            <p:ph type="title"/>
-          </p:nvPr>
-        </p:nvSpPr>
-        <p:spPr/>
-        <p:txBody>
-          <a:bodyPr/>
-          <a:lstStyle/>
-          <a:p>
-            <a:r>
-              <a:rPr lang="en-US" dirty="0"/>
-              <a:t>Preprocessing and Residual Graph</a:t>
-            </a:r>
-          </a:p>
-        </p:txBody>
-      </p:sp>
-      <p:sp>
-        <p:nvSpPr>
-          <p:cNvPr id="4" name="Oval 3">
-            <a:extLst>
-              <a:ext uri="{FF2B5EF4-FFF2-40B4-BE49-F238E27FC236}">
-                <a16:creationId xmlns:a16="http://schemas.microsoft.com/office/drawing/2014/main" id="{E3EFE47C-1557-B850-6662-A5C895FACADA}"/>
-              </a:ext>
-            </a:extLst>
-          </p:cNvPr>
-          <p:cNvSpPr/>
-          <p:nvPr/>
-        </p:nvSpPr>
-        <p:spPr>
-          <a:xfrm>
-            <a:off x="4984531" y="2133958"/>
-            <a:ext cx="4319752" cy="2826327"/>
-          </a:xfrm>
-          <a:prstGeom prst="ellipse">
-            <a:avLst/>
-          </a:prstGeom>
-          <a:noFill/>
-          <a:ln w="9525" cap="flat" cmpd="sng" algn="ctr">
-            <a:solidFill>
-              <a:schemeClr val="dk1"/>
-            </a:solidFill>
-            <a:prstDash val="solid"/>
-            <a:round/>
-            <a:headEnd type="none" w="med" len="med"/>
-            <a:tailEnd type="none" w="med" len="med"/>
-          </a:ln>
-        </p:spPr>
-        <p:style>
-          <a:lnRef idx="0">
-            <a:scrgbClr r="0" g="0" b="0"/>
-          </a:lnRef>
-          <a:fillRef idx="0">
-            <a:scrgbClr r="0" g="0" b="0"/>
-          </a:fillRef>
-          <a:effectRef idx="0">
-            <a:scrgbClr r="0" g="0" b="0"/>
-          </a:effectRef>
-          <a:fontRef idx="minor">
-            <a:schemeClr val="dk1"/>
-          </a:fontRef>
-        </p:style>
-        <p:txBody>
-          <a:bodyPr rtlCol="0" anchor="ctr"/>
-          <a:lstStyle/>
-          <a:p>
-            <a:pPr algn="ctr"/>
-            <a:endParaRPr lang="en-US"/>
-          </a:p>
-        </p:txBody>
-      </p:sp>
-      <p:sp>
-        <p:nvSpPr>
-          <p:cNvPr id="5" name="Oval 4">
-            <a:extLst>
-              <a:ext uri="{FF2B5EF4-FFF2-40B4-BE49-F238E27FC236}">
-                <a16:creationId xmlns:a16="http://schemas.microsoft.com/office/drawing/2014/main" id="{60EECFF2-BCFC-1D72-A319-88849F75D669}"/>
-              </a:ext>
-            </a:extLst>
-          </p:cNvPr>
-          <p:cNvSpPr/>
-          <p:nvPr/>
-        </p:nvSpPr>
-        <p:spPr>
-          <a:xfrm>
-            <a:off x="5524977" y="3547122"/>
-            <a:ext cx="1918138" cy="1066800"/>
-          </a:xfrm>
-          <a:prstGeom prst="ellipse">
-            <a:avLst/>
-          </a:prstGeom>
-          <a:ln>
-            <a:headEnd type="none" w="med" len="med"/>
-            <a:tailEnd type="none" w="med" len="med"/>
-          </a:ln>
-        </p:spPr>
-        <p:style>
-          <a:lnRef idx="1">
-            <a:schemeClr val="accent4"/>
-          </a:lnRef>
-          <a:fillRef idx="2">
-            <a:schemeClr val="accent4"/>
-          </a:fillRef>
-          <a:effectRef idx="1">
-            <a:schemeClr val="accent4"/>
-          </a:effectRef>
-          <a:fontRef idx="minor">
-            <a:schemeClr val="dk1"/>
-          </a:fontRef>
-        </p:style>
-        <p:txBody>
-          <a:bodyPr rtlCol="0" anchor="ctr"/>
-          <a:lstStyle/>
-          <a:p>
-            <a:pPr algn="ctr"/>
-            <a:endParaRPr lang="en-US"/>
-          </a:p>
-        </p:txBody>
-      </p:sp>
-      <p:sp>
-        <p:nvSpPr>
-          <p:cNvPr id="6" name="TextBox 5">
-            <a:extLst>
-              <a:ext uri="{FF2B5EF4-FFF2-40B4-BE49-F238E27FC236}">
-                <a16:creationId xmlns:a16="http://schemas.microsoft.com/office/drawing/2014/main" id="{3EAB9186-0838-824C-945C-9003FB2CBC14}"/>
-              </a:ext>
-            </a:extLst>
-          </p:cNvPr>
-          <p:cNvSpPr txBox="1"/>
-          <p:nvPr/>
-        </p:nvSpPr>
-        <p:spPr>
-          <a:xfrm>
-            <a:off x="7443115" y="2960265"/>
-            <a:ext cx="1569212" cy="369332"/>
-          </a:xfrm>
-          <a:prstGeom prst="rect">
-            <a:avLst/>
-          </a:prstGeom>
-          <a:noFill/>
-        </p:spPr>
-        <p:txBody>
-          <a:bodyPr wrap="none" rtlCol="0">
-            <a:spAutoFit/>
-          </a:bodyPr>
-          <a:lstStyle/>
-          <a:p>
-            <a:r>
-              <a:rPr lang="en-US" dirty="0"/>
-              <a:t>Original graph</a:t>
-            </a:r>
-          </a:p>
-        </p:txBody>
-      </p:sp>
-      <p:sp>
-        <p:nvSpPr>
-          <p:cNvPr id="7" name="TextBox 6">
-            <a:extLst>
-              <a:ext uri="{FF2B5EF4-FFF2-40B4-BE49-F238E27FC236}">
-                <a16:creationId xmlns:a16="http://schemas.microsoft.com/office/drawing/2014/main" id="{74D07319-B944-4D85-2EBA-D3E2EE8E6F92}"/>
-              </a:ext>
-            </a:extLst>
-          </p:cNvPr>
-          <p:cNvSpPr txBox="1"/>
-          <p:nvPr/>
-        </p:nvSpPr>
-        <p:spPr>
-          <a:xfrm>
-            <a:off x="5763130" y="3757356"/>
-            <a:ext cx="1454013" cy="646331"/>
-          </a:xfrm>
-          <a:prstGeom prst="rect">
-            <a:avLst/>
-          </a:prstGeom>
-          <a:noFill/>
-        </p:spPr>
-        <p:txBody>
-          <a:bodyPr wrap="square" rtlCol="0">
-            <a:spAutoFit/>
-          </a:bodyPr>
-          <a:lstStyle/>
-          <a:p>
-            <a:r>
-              <a:rPr lang="en-US" dirty="0"/>
-              <a:t>Graph after shrinking</a:t>
-            </a:r>
-          </a:p>
-        </p:txBody>
-      </p:sp>
-      <p:sp>
-        <p:nvSpPr>
-          <p:cNvPr id="11" name="TextBox 10">
-            <a:extLst>
-              <a:ext uri="{FF2B5EF4-FFF2-40B4-BE49-F238E27FC236}">
-                <a16:creationId xmlns:a16="http://schemas.microsoft.com/office/drawing/2014/main" id="{3E49A60E-1BEE-C44D-7FF5-58EC36861775}"/>
-              </a:ext>
-            </a:extLst>
-          </p:cNvPr>
-          <p:cNvSpPr txBox="1"/>
-          <p:nvPr/>
-        </p:nvSpPr>
-        <p:spPr>
-          <a:xfrm>
-            <a:off x="2460607" y="3329597"/>
-            <a:ext cx="2068515" cy="369332"/>
-          </a:xfrm>
-          <a:prstGeom prst="rect">
-            <a:avLst/>
-          </a:prstGeom>
-          <a:noFill/>
-        </p:spPr>
-        <p:txBody>
-          <a:bodyPr wrap="none" rtlCol="0">
-            <a:spAutoFit/>
-          </a:bodyPr>
-          <a:lstStyle/>
-          <a:p>
-            <a:r>
-              <a:rPr lang="en-US" dirty="0">
-                <a:solidFill>
-                  <a:srgbClr val="C00000"/>
-                </a:solidFill>
-              </a:rPr>
-              <a:t>Varies with every k!</a:t>
-            </a:r>
-          </a:p>
-        </p:txBody>
-      </p:sp>
-    </p:spTree>
-    <p:extLst>
-      <p:ext uri="{BB962C8B-B14F-4D97-AF65-F5344CB8AC3E}">
-        <p14:creationId xmlns:p14="http://schemas.microsoft.com/office/powerpoint/2010/main" val="3774043784"/>
-      </p:ext>
-    </p:extLst>
-  </p:cSld>
-  <p:clrMapOvr>
-    <a:masterClrMapping/>
-  </p:clrMapOvr>
-</p:sld>
-</file>
-
 <file path=ppt/slides/slide5.xml><?xml version="1.0" encoding="utf-8"?>
 <p:sld xmlns:a="http://schemas.openxmlformats.org/drawingml/2006/main" xmlns:r="http://schemas.openxmlformats.org/officeDocument/2006/relationships" xmlns:p="http://schemas.openxmlformats.org/presentationml/2006/main">
   <p:cSld>
@@ -12029,40 +12589,249 @@
           <a:chExt cx="0" cy="0"/>
         </a:xfrm>
       </p:grpSpPr>
-      <p:pic>
-        <p:nvPicPr>
-          <p:cNvPr id="3" name="Picture 2" descr="A diagram of a tree&#10;&#10;AI-generated content may be incorrect.">
-            <a:extLst>
-              <a:ext uri="{FF2B5EF4-FFF2-40B4-BE49-F238E27FC236}">
-                <a16:creationId xmlns:a16="http://schemas.microsoft.com/office/drawing/2014/main" id="{9BC2BE7F-7776-E0DF-8420-66A2CC8F6856}"/>
-              </a:ext>
-            </a:extLst>
-          </p:cNvPr>
-          <p:cNvPicPr>
-            <a:picLocks noChangeAspect="1"/>
-          </p:cNvPicPr>
-          <p:nvPr/>
-        </p:nvPicPr>
-        <p:blipFill>
-          <a:blip r:embed="rId2"/>
-          <a:stretch>
-            <a:fillRect/>
-          </a:stretch>
-        </p:blipFill>
+      <p:sp>
+        <p:nvSpPr>
+          <p:cNvPr id="2" name="Title 1">
+            <a:extLst>
+              <a:ext uri="{FF2B5EF4-FFF2-40B4-BE49-F238E27FC236}">
+                <a16:creationId xmlns:a16="http://schemas.microsoft.com/office/drawing/2014/main" id="{DA525CA3-624A-B64E-1050-02163816B789}"/>
+              </a:ext>
+            </a:extLst>
+          </p:cNvPr>
+          <p:cNvSpPr>
+            <a:spLocks noGrp="1"/>
+          </p:cNvSpPr>
+          <p:nvPr>
+            <p:ph type="title"/>
+          </p:nvPr>
+        </p:nvSpPr>
+        <p:spPr/>
+        <p:txBody>
+          <a:bodyPr/>
+          <a:lstStyle/>
+          <a:p>
+            <a:r>
+              <a:rPr lang="en-US" dirty="0"/>
+              <a:t>Preprocessing and Residual Graph</a:t>
+            </a:r>
+          </a:p>
+        </p:txBody>
+      </p:sp>
+      <p:sp>
+        <p:nvSpPr>
+          <p:cNvPr id="4" name="Oval 3">
+            <a:extLst>
+              <a:ext uri="{FF2B5EF4-FFF2-40B4-BE49-F238E27FC236}">
+                <a16:creationId xmlns:a16="http://schemas.microsoft.com/office/drawing/2014/main" id="{E3EFE47C-1557-B850-6662-A5C895FACADA}"/>
+              </a:ext>
+            </a:extLst>
+          </p:cNvPr>
+          <p:cNvSpPr/>
+          <p:nvPr/>
+        </p:nvSpPr>
         <p:spPr>
           <a:xfrm>
-            <a:off x="3257550" y="1123950"/>
-            <a:ext cx="5676900" cy="4610100"/>
+            <a:off x="4984531" y="2133958"/>
+            <a:ext cx="4319752" cy="2826327"/>
+          </a:xfrm>
+          <a:prstGeom prst="ellipse">
+            <a:avLst/>
+          </a:prstGeom>
+          <a:noFill/>
+          <a:ln w="9525" cap="flat" cmpd="sng" algn="ctr">
+            <a:solidFill>
+              <a:schemeClr val="dk1"/>
+            </a:solidFill>
+            <a:prstDash val="solid"/>
+            <a:round/>
+            <a:headEnd type="none" w="med" len="med"/>
+            <a:tailEnd type="none" w="med" len="med"/>
+          </a:ln>
+        </p:spPr>
+        <p:style>
+          <a:lnRef idx="0">
+            <a:scrgbClr r="0" g="0" b="0"/>
+          </a:lnRef>
+          <a:fillRef idx="0">
+            <a:scrgbClr r="0" g="0" b="0"/>
+          </a:fillRef>
+          <a:effectRef idx="0">
+            <a:scrgbClr r="0" g="0" b="0"/>
+          </a:effectRef>
+          <a:fontRef idx="minor">
+            <a:schemeClr val="dk1"/>
+          </a:fontRef>
+        </p:style>
+        <p:txBody>
+          <a:bodyPr rtlCol="0" anchor="ctr"/>
+          <a:lstStyle/>
+          <a:p>
+            <a:pPr algn="ctr"/>
+            <a:endParaRPr lang="en-US"/>
+          </a:p>
+        </p:txBody>
+      </p:sp>
+      <p:sp>
+        <p:nvSpPr>
+          <p:cNvPr id="5" name="Oval 4">
+            <a:extLst>
+              <a:ext uri="{FF2B5EF4-FFF2-40B4-BE49-F238E27FC236}">
+                <a16:creationId xmlns:a16="http://schemas.microsoft.com/office/drawing/2014/main" id="{60EECFF2-BCFC-1D72-A319-88849F75D669}"/>
+              </a:ext>
+            </a:extLst>
+          </p:cNvPr>
+          <p:cNvSpPr/>
+          <p:nvPr/>
+        </p:nvSpPr>
+        <p:spPr>
+          <a:xfrm>
+            <a:off x="5524977" y="3547122"/>
+            <a:ext cx="1918138" cy="1066800"/>
+          </a:xfrm>
+          <a:prstGeom prst="ellipse">
+            <a:avLst/>
+          </a:prstGeom>
+          <a:ln>
+            <a:headEnd type="none" w="med" len="med"/>
+            <a:tailEnd type="none" w="med" len="med"/>
+          </a:ln>
+        </p:spPr>
+        <p:style>
+          <a:lnRef idx="1">
+            <a:schemeClr val="accent4"/>
+          </a:lnRef>
+          <a:fillRef idx="2">
+            <a:schemeClr val="accent4"/>
+          </a:fillRef>
+          <a:effectRef idx="1">
+            <a:schemeClr val="accent4"/>
+          </a:effectRef>
+          <a:fontRef idx="minor">
+            <a:schemeClr val="dk1"/>
+          </a:fontRef>
+        </p:style>
+        <p:txBody>
+          <a:bodyPr rtlCol="0" anchor="ctr"/>
+          <a:lstStyle/>
+          <a:p>
+            <a:pPr algn="ctr"/>
+            <a:endParaRPr lang="en-US"/>
+          </a:p>
+        </p:txBody>
+      </p:sp>
+      <p:sp>
+        <p:nvSpPr>
+          <p:cNvPr id="6" name="TextBox 5">
+            <a:extLst>
+              <a:ext uri="{FF2B5EF4-FFF2-40B4-BE49-F238E27FC236}">
+                <a16:creationId xmlns:a16="http://schemas.microsoft.com/office/drawing/2014/main" id="{3EAB9186-0838-824C-945C-9003FB2CBC14}"/>
+              </a:ext>
+            </a:extLst>
+          </p:cNvPr>
+          <p:cNvSpPr txBox="1"/>
+          <p:nvPr/>
+        </p:nvSpPr>
+        <p:spPr>
+          <a:xfrm>
+            <a:off x="7443115" y="2960265"/>
+            <a:ext cx="1569212" cy="369332"/>
           </a:xfrm>
           <a:prstGeom prst="rect">
             <a:avLst/>
           </a:prstGeom>
-        </p:spPr>
-      </p:pic>
+          <a:noFill/>
+        </p:spPr>
+        <p:txBody>
+          <a:bodyPr wrap="none" rtlCol="0">
+            <a:spAutoFit/>
+          </a:bodyPr>
+          <a:lstStyle/>
+          <a:p>
+            <a:r>
+              <a:rPr lang="en-US" dirty="0"/>
+              <a:t>Original graph</a:t>
+            </a:r>
+          </a:p>
+        </p:txBody>
+      </p:sp>
+      <p:sp>
+        <p:nvSpPr>
+          <p:cNvPr id="7" name="TextBox 6">
+            <a:extLst>
+              <a:ext uri="{FF2B5EF4-FFF2-40B4-BE49-F238E27FC236}">
+                <a16:creationId xmlns:a16="http://schemas.microsoft.com/office/drawing/2014/main" id="{74D07319-B944-4D85-2EBA-D3E2EE8E6F92}"/>
+              </a:ext>
+            </a:extLst>
+          </p:cNvPr>
+          <p:cNvSpPr txBox="1"/>
+          <p:nvPr/>
+        </p:nvSpPr>
+        <p:spPr>
+          <a:xfrm>
+            <a:off x="5763130" y="3757356"/>
+            <a:ext cx="1454013" cy="646331"/>
+          </a:xfrm>
+          <a:prstGeom prst="rect">
+            <a:avLst/>
+          </a:prstGeom>
+          <a:noFill/>
+        </p:spPr>
+        <p:txBody>
+          <a:bodyPr wrap="square" rtlCol="0">
+            <a:spAutoFit/>
+          </a:bodyPr>
+          <a:lstStyle/>
+          <a:p>
+            <a:r>
+              <a:rPr lang="en-US" dirty="0"/>
+              <a:t>Graph after shrinking</a:t>
+            </a:r>
+          </a:p>
+        </p:txBody>
+      </p:sp>
+      <p:sp>
+        <p:nvSpPr>
+          <p:cNvPr id="11" name="TextBox 10">
+            <a:extLst>
+              <a:ext uri="{FF2B5EF4-FFF2-40B4-BE49-F238E27FC236}">
+                <a16:creationId xmlns:a16="http://schemas.microsoft.com/office/drawing/2014/main" id="{3E49A60E-1BEE-C44D-7FF5-58EC36861775}"/>
+              </a:ext>
+            </a:extLst>
+          </p:cNvPr>
+          <p:cNvSpPr txBox="1"/>
+          <p:nvPr/>
+        </p:nvSpPr>
+        <p:spPr>
+          <a:xfrm>
+            <a:off x="2460607" y="3329597"/>
+            <a:ext cx="2068515" cy="369332"/>
+          </a:xfrm>
+          <a:prstGeom prst="rect">
+            <a:avLst/>
+          </a:prstGeom>
+          <a:noFill/>
+        </p:spPr>
+        <p:txBody>
+          <a:bodyPr wrap="none" rtlCol="0">
+            <a:spAutoFit/>
+          </a:bodyPr>
+          <a:lstStyle/>
+          <a:p>
+            <a:r>
+              <a:rPr lang="en-US" dirty="0">
+                <a:solidFill>
+                  <a:srgbClr val="C00000"/>
+                </a:solidFill>
+              </a:rPr>
+              <a:t>Varies with every k!</a:t>
+            </a:r>
+          </a:p>
+        </p:txBody>
+      </p:sp>
     </p:spTree>
     <p:extLst>
       <p:ext uri="{BB962C8B-B14F-4D97-AF65-F5344CB8AC3E}">
-        <p14:creationId xmlns:p14="http://schemas.microsoft.com/office/powerpoint/2010/main" val="4291793206"/>
+        <p14:creationId xmlns:p14="http://schemas.microsoft.com/office/powerpoint/2010/main" val="3774043784"/>
       </p:ext>
     </p:extLst>
   </p:cSld>
@@ -12089,40 +12858,12 @@
           <a:chExt cx="0" cy="0"/>
         </a:xfrm>
       </p:grpSpPr>
-      <p:sp>
-        <p:nvSpPr>
-          <p:cNvPr id="5" name="Title 3">
-            <a:extLst>
-              <a:ext uri="{FF2B5EF4-FFF2-40B4-BE49-F238E27FC236}">
-                <a16:creationId xmlns:a16="http://schemas.microsoft.com/office/drawing/2014/main" id="{5B899962-CAC1-6E96-926D-4D7FC39FB3B2}"/>
-              </a:ext>
-            </a:extLst>
-          </p:cNvPr>
-          <p:cNvSpPr>
-            <a:spLocks noGrp="1"/>
-          </p:cNvSpPr>
-          <p:nvPr>
-            <p:ph type="title"/>
-          </p:nvPr>
-        </p:nvSpPr>
-        <p:spPr/>
-        <p:txBody>
-          <a:bodyPr/>
-          <a:lstStyle/>
-          <a:p>
-            <a:r>
-              <a:rPr lang="en-US" dirty="0"/>
-              <a:t>ML for k-Plex</a:t>
-            </a:r>
-          </a:p>
-        </p:txBody>
-      </p:sp>
       <p:pic>
         <p:nvPicPr>
-          <p:cNvPr id="7" name="Picture 6">
-            <a:extLst>
-              <a:ext uri="{FF2B5EF4-FFF2-40B4-BE49-F238E27FC236}">
-                <a16:creationId xmlns:a16="http://schemas.microsoft.com/office/drawing/2014/main" id="{E8289881-7BE4-F256-392E-415DB437251C}"/>
+          <p:cNvPr id="3" name="Picture 2" descr="A diagram of a tree&#10;&#10;AI-generated content may be incorrect.">
+            <a:extLst>
+              <a:ext uri="{FF2B5EF4-FFF2-40B4-BE49-F238E27FC236}">
+                <a16:creationId xmlns:a16="http://schemas.microsoft.com/office/drawing/2014/main" id="{9BC2BE7F-7776-E0DF-8420-66A2CC8F6856}"/>
               </a:ext>
             </a:extLst>
           </p:cNvPr>
@@ -12139,53 +12880,18 @@
         </p:blipFill>
         <p:spPr>
           <a:xfrm>
-            <a:off x="1037240" y="2148489"/>
-            <a:ext cx="10117520" cy="3306379"/>
+            <a:off x="3257550" y="1123950"/>
+            <a:ext cx="5676900" cy="4610100"/>
           </a:xfrm>
           <a:prstGeom prst="rect">
             <a:avLst/>
           </a:prstGeom>
         </p:spPr>
       </p:pic>
-      <p:sp>
-        <p:nvSpPr>
-          <p:cNvPr id="13" name="TextBox 12">
-            <a:extLst>
-              <a:ext uri="{FF2B5EF4-FFF2-40B4-BE49-F238E27FC236}">
-                <a16:creationId xmlns:a16="http://schemas.microsoft.com/office/drawing/2014/main" id="{BF6C5401-FBB2-CA1D-C725-E588E5E3F920}"/>
-              </a:ext>
-            </a:extLst>
-          </p:cNvPr>
-          <p:cNvSpPr txBox="1"/>
-          <p:nvPr/>
-        </p:nvSpPr>
-        <p:spPr>
-          <a:xfrm>
-            <a:off x="6037118" y="5766955"/>
-            <a:ext cx="3973395" cy="369332"/>
-          </a:xfrm>
-          <a:prstGeom prst="rect">
-            <a:avLst/>
-          </a:prstGeom>
-          <a:noFill/>
-        </p:spPr>
-        <p:txBody>
-          <a:bodyPr wrap="none" rtlCol="0">
-            <a:spAutoFit/>
-          </a:bodyPr>
-          <a:lstStyle/>
-          <a:p>
-            <a:r>
-              <a:rPr lang="en-US" dirty="0"/>
-              <a:t>k values: 2, 3, 4, 5, 6, 7, 8, 9, 10, 15, 20</a:t>
-            </a:r>
-          </a:p>
-        </p:txBody>
-      </p:sp>
     </p:spTree>
     <p:extLst>
       <p:ext uri="{BB962C8B-B14F-4D97-AF65-F5344CB8AC3E}">
-        <p14:creationId xmlns:p14="http://schemas.microsoft.com/office/powerpoint/2010/main" val="3498947184"/>
+        <p14:creationId xmlns:p14="http://schemas.microsoft.com/office/powerpoint/2010/main" val="4291793206"/>
       </p:ext>
     </p:extLst>
   </p:cSld>
@@ -12214,10 +12920,10 @@
       </p:grpSpPr>
       <p:sp>
         <p:nvSpPr>
-          <p:cNvPr id="2" name="Title 1">
-            <a:extLst>
-              <a:ext uri="{FF2B5EF4-FFF2-40B4-BE49-F238E27FC236}">
-                <a16:creationId xmlns:a16="http://schemas.microsoft.com/office/drawing/2014/main" id="{A942C1D6-A472-C1FC-5280-5EDC587A4956}"/>
+          <p:cNvPr id="5" name="Title 3">
+            <a:extLst>
+              <a:ext uri="{FF2B5EF4-FFF2-40B4-BE49-F238E27FC236}">
+                <a16:creationId xmlns:a16="http://schemas.microsoft.com/office/drawing/2014/main" id="{5B899962-CAC1-6E96-926D-4D7FC39FB3B2}"/>
               </a:ext>
             </a:extLst>
           </p:cNvPr>
@@ -12235,82 +12941,115 @@
           <a:p>
             <a:r>
               <a:rPr lang="en-US" dirty="0"/>
-              <a:t>Features</a:t>
-            </a:r>
-          </a:p>
-        </p:txBody>
-      </p:sp>
-      <p:sp>
-        <p:nvSpPr>
-          <p:cNvPr id="3" name="Content Placeholder 2">
-            <a:extLst>
-              <a:ext uri="{FF2B5EF4-FFF2-40B4-BE49-F238E27FC236}">
-                <a16:creationId xmlns:a16="http://schemas.microsoft.com/office/drawing/2014/main" id="{3272D6F3-55AC-1BDA-CA61-C40396F7B87B}"/>
-              </a:ext>
-            </a:extLst>
-          </p:cNvPr>
-          <p:cNvSpPr>
-            <a:spLocks noGrp="1"/>
-          </p:cNvSpPr>
-          <p:nvPr>
-            <p:ph idx="1"/>
-          </p:nvPr>
-        </p:nvSpPr>
-        <p:spPr/>
-        <p:txBody>
-          <a:bodyPr/>
+              <a:t>ML for k-Plex</a:t>
+            </a:r>
+          </a:p>
+        </p:txBody>
+      </p:sp>
+      <p:pic>
+        <p:nvPicPr>
+          <p:cNvPr id="7" name="Picture 6">
+            <a:extLst>
+              <a:ext uri="{FF2B5EF4-FFF2-40B4-BE49-F238E27FC236}">
+                <a16:creationId xmlns:a16="http://schemas.microsoft.com/office/drawing/2014/main" id="{E8289881-7BE4-F256-392E-415DB437251C}"/>
+              </a:ext>
+            </a:extLst>
+          </p:cNvPr>
+          <p:cNvPicPr>
+            <a:picLocks noChangeAspect="1"/>
+          </p:cNvPicPr>
+          <p:nvPr/>
+        </p:nvPicPr>
+        <p:blipFill>
+          <a:blip r:embed="rId2"/>
+          <a:stretch>
+            <a:fillRect/>
+          </a:stretch>
+        </p:blipFill>
+        <p:spPr>
+          <a:xfrm>
+            <a:off x="1037240" y="2148489"/>
+            <a:ext cx="10117520" cy="3306379"/>
+          </a:xfrm>
+          <a:prstGeom prst="rect">
+            <a:avLst/>
+          </a:prstGeom>
+        </p:spPr>
+      </p:pic>
+      <p:sp>
+        <p:nvSpPr>
+          <p:cNvPr id="13" name="TextBox 12">
+            <a:extLst>
+              <a:ext uri="{FF2B5EF4-FFF2-40B4-BE49-F238E27FC236}">
+                <a16:creationId xmlns:a16="http://schemas.microsoft.com/office/drawing/2014/main" id="{BF6C5401-FBB2-CA1D-C725-E588E5E3F920}"/>
+              </a:ext>
+            </a:extLst>
+          </p:cNvPr>
+          <p:cNvSpPr txBox="1"/>
+          <p:nvPr/>
+        </p:nvSpPr>
+        <p:spPr>
+          <a:xfrm>
+            <a:off x="6037118" y="5766955"/>
+            <a:ext cx="3973395" cy="369332"/>
+          </a:xfrm>
+          <a:prstGeom prst="rect">
+            <a:avLst/>
+          </a:prstGeom>
+          <a:noFill/>
+        </p:spPr>
+        <p:txBody>
+          <a:bodyPr wrap="none" rtlCol="0">
+            <a:spAutoFit/>
+          </a:bodyPr>
           <a:lstStyle/>
           <a:p>
             <a:r>
               <a:rPr lang="en-US" dirty="0"/>
-              <a:t>No. of vertices and edges</a:t>
-            </a:r>
-          </a:p>
+              <a:t>k values: 2, 3, 4, 5, 6, 7, 8, 9, 10, 15, 20</a:t>
+            </a:r>
+          </a:p>
+        </p:txBody>
+      </p:sp>
+      <p:sp>
+        <p:nvSpPr>
+          <p:cNvPr id="14" name="TextBox 13">
+            <a:extLst>
+              <a:ext uri="{FF2B5EF4-FFF2-40B4-BE49-F238E27FC236}">
+                <a16:creationId xmlns:a16="http://schemas.microsoft.com/office/drawing/2014/main" id="{61DB7DA6-644F-D859-2A21-24ABD3CF3B3B}"/>
+              </a:ext>
+            </a:extLst>
+          </p:cNvPr>
+          <p:cNvSpPr txBox="1"/>
+          <p:nvPr/>
+        </p:nvSpPr>
+        <p:spPr>
+          <a:xfrm>
+            <a:off x="561109" y="6317673"/>
+            <a:ext cx="2155911" cy="369332"/>
+          </a:xfrm>
+          <a:prstGeom prst="rect">
+            <a:avLst/>
+          </a:prstGeom>
+          <a:noFill/>
+        </p:spPr>
+        <p:txBody>
+          <a:bodyPr wrap="none" rtlCol="0">
+            <a:spAutoFit/>
+          </a:bodyPr>
+          <a:lstStyle/>
           <a:p>
             <a:r>
               <a:rPr lang="en-US" dirty="0"/>
-              <a:t>Average degree</a:t>
-            </a:r>
-          </a:p>
-          <a:p>
-            <a:r>
-              <a:rPr lang="en-US" dirty="0"/>
-              <a:t>Maximum degree</a:t>
-            </a:r>
-          </a:p>
-          <a:p>
-            <a:r>
-              <a:rPr lang="en-US" b="1" dirty="0"/>
-              <a:t>No. of vertices and edges, max degree, avg degree in residual graph</a:t>
-            </a:r>
-          </a:p>
-          <a:p>
-            <a:r>
-              <a:rPr lang="en-US" dirty="0"/>
-              <a:t>k-truss</a:t>
-            </a:r>
-          </a:p>
-          <a:p>
-            <a:r>
-              <a:rPr lang="en-US" b="1" dirty="0"/>
-              <a:t>k-core – core-number, no. of vertices in each level (k levels)</a:t>
-            </a:r>
-          </a:p>
-          <a:p>
-            <a:r>
-              <a:rPr lang="en-US" b="1" dirty="0"/>
-              <a:t>Value of k</a:t>
-            </a:r>
-          </a:p>
-          <a:p>
-            <a:endParaRPr lang="en-US" dirty="0"/>
+              <a:t>Include R branching</a:t>
+            </a:r>
           </a:p>
         </p:txBody>
       </p:sp>
     </p:spTree>
     <p:extLst>
       <p:ext uri="{BB962C8B-B14F-4D97-AF65-F5344CB8AC3E}">
-        <p14:creationId xmlns:p14="http://schemas.microsoft.com/office/powerpoint/2010/main" val="163607383"/>
+        <p14:creationId xmlns:p14="http://schemas.microsoft.com/office/powerpoint/2010/main" val="3498947184"/>
       </p:ext>
     </p:extLst>
   </p:cSld>
@@ -12342,7 +13081,7 @@
           <p:cNvPr id="2" name="Title 1">
             <a:extLst>
               <a:ext uri="{FF2B5EF4-FFF2-40B4-BE49-F238E27FC236}">
-                <a16:creationId xmlns:a16="http://schemas.microsoft.com/office/drawing/2014/main" id="{DDE0FD99-8DF4-9C2E-2757-B9A8D296F1A2}"/>
+                <a16:creationId xmlns:a16="http://schemas.microsoft.com/office/drawing/2014/main" id="{A942C1D6-A472-C1FC-5280-5EDC587A4956}"/>
               </a:ext>
             </a:extLst>
           </p:cNvPr>
@@ -12360,7 +13099,7 @@
           <a:p>
             <a:r>
               <a:rPr lang="en-US" dirty="0"/>
-              <a:t>Definitions</a:t>
+              <a:t>Features</a:t>
             </a:r>
           </a:p>
         </p:txBody>
@@ -12370,7 +13109,7 @@
           <p:cNvPr id="3" name="Content Placeholder 2">
             <a:extLst>
               <a:ext uri="{FF2B5EF4-FFF2-40B4-BE49-F238E27FC236}">
-                <a16:creationId xmlns:a16="http://schemas.microsoft.com/office/drawing/2014/main" id="{1B6ADD69-44B5-7251-4ACE-068DBD542970}"/>
+                <a16:creationId xmlns:a16="http://schemas.microsoft.com/office/drawing/2014/main" id="{3272D6F3-55AC-1BDA-CA61-C40396F7B87B}"/>
               </a:ext>
             </a:extLst>
           </p:cNvPr>
@@ -12383,8 +13122,133 @@
         </p:nvSpPr>
         <p:spPr/>
         <p:txBody>
+          <a:bodyPr/>
+          <a:lstStyle/>
+          <a:p>
+            <a:r>
+              <a:rPr lang="en-US" dirty="0"/>
+              <a:t>No. of vertices and edges</a:t>
+            </a:r>
+          </a:p>
+          <a:p>
+            <a:r>
+              <a:rPr lang="en-US" dirty="0"/>
+              <a:t>Average degree</a:t>
+            </a:r>
+          </a:p>
+          <a:p>
+            <a:r>
+              <a:rPr lang="en-US" dirty="0"/>
+              <a:t>Maximum degree</a:t>
+            </a:r>
+          </a:p>
+          <a:p>
+            <a:r>
+              <a:rPr lang="en-US" b="1" dirty="0"/>
+              <a:t>No. of vertices and edges, max degree, avg degree in residual graph</a:t>
+            </a:r>
+          </a:p>
+          <a:p>
+            <a:r>
+              <a:rPr lang="en-US" dirty="0"/>
+              <a:t>k-truss</a:t>
+            </a:r>
+          </a:p>
+          <a:p>
+            <a:r>
+              <a:rPr lang="en-US" b="1" dirty="0"/>
+              <a:t>k-core – core-number, no. of vertices in each level (k levels)</a:t>
+            </a:r>
+          </a:p>
+          <a:p>
+            <a:r>
+              <a:rPr lang="en-US" b="1" dirty="0"/>
+              <a:t>Value of k</a:t>
+            </a:r>
+          </a:p>
+          <a:p>
+            <a:endParaRPr lang="en-US" dirty="0"/>
+          </a:p>
+        </p:txBody>
+      </p:sp>
+    </p:spTree>
+    <p:extLst>
+      <p:ext uri="{BB962C8B-B14F-4D97-AF65-F5344CB8AC3E}">
+        <p14:creationId xmlns:p14="http://schemas.microsoft.com/office/powerpoint/2010/main" val="163607383"/>
+      </p:ext>
+    </p:extLst>
+  </p:cSld>
+  <p:clrMapOvr>
+    <a:masterClrMapping/>
+  </p:clrMapOvr>
+</p:sld>
+</file>
+
+<file path=ppt/slides/slide9.xml><?xml version="1.0" encoding="utf-8"?>
+<p:sld xmlns:a="http://schemas.openxmlformats.org/drawingml/2006/main" xmlns:r="http://schemas.openxmlformats.org/officeDocument/2006/relationships" xmlns:p="http://schemas.openxmlformats.org/presentationml/2006/main">
+  <p:cSld>
+    <p:spTree>
+      <p:nvGrpSpPr>
+        <p:cNvPr id="1" name=""/>
+        <p:cNvGrpSpPr/>
+        <p:nvPr/>
+      </p:nvGrpSpPr>
+      <p:grpSpPr>
+        <a:xfrm>
+          <a:off x="0" y="0"/>
+          <a:ext cx="0" cy="0"/>
+          <a:chOff x="0" y="0"/>
+          <a:chExt cx="0" cy="0"/>
+        </a:xfrm>
+      </p:grpSpPr>
+      <p:sp>
+        <p:nvSpPr>
+          <p:cNvPr id="2" name="Title 1">
+            <a:extLst>
+              <a:ext uri="{FF2B5EF4-FFF2-40B4-BE49-F238E27FC236}">
+                <a16:creationId xmlns:a16="http://schemas.microsoft.com/office/drawing/2014/main" id="{DDE0FD99-8DF4-9C2E-2757-B9A8D296F1A2}"/>
+              </a:ext>
+            </a:extLst>
+          </p:cNvPr>
+          <p:cNvSpPr>
+            <a:spLocks noGrp="1"/>
+          </p:cNvSpPr>
+          <p:nvPr>
+            <p:ph type="title"/>
+          </p:nvPr>
+        </p:nvSpPr>
+        <p:spPr/>
+        <p:txBody>
+          <a:bodyPr/>
+          <a:lstStyle/>
+          <a:p>
+            <a:r>
+              <a:rPr lang="en-US" dirty="0"/>
+              <a:t>Definitions</a:t>
+            </a:r>
+          </a:p>
+        </p:txBody>
+      </p:sp>
+      <p:sp>
+        <p:nvSpPr>
+          <p:cNvPr id="3" name="Content Placeholder 2">
+            <a:extLst>
+              <a:ext uri="{FF2B5EF4-FFF2-40B4-BE49-F238E27FC236}">
+                <a16:creationId xmlns:a16="http://schemas.microsoft.com/office/drawing/2014/main" id="{1B6ADD69-44B5-7251-4ACE-068DBD542970}"/>
+              </a:ext>
+            </a:extLst>
+          </p:cNvPr>
+          <p:cNvSpPr>
+            <a:spLocks noGrp="1"/>
+          </p:cNvSpPr>
+          <p:nvPr>
+            <p:ph idx="1"/>
+          </p:nvPr>
+        </p:nvSpPr>
+        <p:spPr/>
+        <p:txBody>
           <a:bodyPr>
-            <a:normAutofit fontScale="92500" lnSpcReduction="10000"/>
+            <a:normAutofit fontScale="92500" lnSpcReduction="20000"/>
           </a:bodyPr>
           <a:lstStyle/>
           <a:p>
@@ -12402,6 +13266,26 @@
           <a:p>
             <a:r>
               <a:rPr lang="en-US" dirty="0" err="1"/>
+              <a:t>d_avg</a:t>
+            </a:r>
+            <a:r>
+              <a:rPr lang="en-US" dirty="0"/>
+              <a:t> = average degree</a:t>
+            </a:r>
+          </a:p>
+          <a:p>
+            <a:r>
+              <a:rPr lang="en-US" dirty="0" err="1"/>
+              <a:t>d_max</a:t>
+            </a:r>
+            <a:r>
+              <a:rPr lang="en-US" dirty="0"/>
+              <a:t> = maximum degree of the graph</a:t>
+            </a:r>
+          </a:p>
+          <a:p>
+            <a:r>
+              <a:rPr lang="en-US" dirty="0" err="1"/>
               <a:t>max_core</a:t>
             </a:r>
             <a:r>
@@ -12411,30 +13295,8 @@
           </a:p>
           <a:p>
             <a:r>
-              <a:rPr lang="en-US" dirty="0" err="1"/>
-              <a:t>max_degree</a:t>
-            </a:r>
-            <a:r>
               <a:rPr lang="en-US" dirty="0"/>
-              <a:t> = maximum degree of the graph</a:t>
-            </a:r>
-          </a:p>
-          <a:p>
-            <a:r>
-              <a:rPr lang="en-US" dirty="0" err="1"/>
-              <a:t>max_core</a:t>
-            </a:r>
-            <a:r>
-              <a:rPr lang="en-US" dirty="0"/>
-              <a:t>-k: number of vertices in </a:t>
-            </a:r>
-            <a:r>
-              <a:rPr lang="en-US" dirty="0" err="1"/>
-              <a:t>max_core</a:t>
-            </a:r>
-            <a:r>
-              <a:rPr lang="en-US" dirty="0"/>
-              <a:t>-k</a:t>
+              <a:t>Core sizes </a:t>
             </a:r>
           </a:p>
           <a:p>

--- a/ML integration.pptx
+++ b/ML integration.pptx
@@ -119,6 +119,11 @@
       </a:defRPr>
     </a:lvl9pPr>
   </p:defaultTextStyle>
+  <p:extLst>
+    <p:ext uri="{EFAFB233-063F-42B5-8137-9DF3F51BA10A}">
+      <p15:sldGuideLst xmlns:p15="http://schemas.microsoft.com/office/powerpoint/2012/main"/>
+    </p:ext>
+  </p:extLst>
 </p:presentation>
 </file>
 
@@ -204,7 +209,7 @@
           <a:p>
             <a:fld id="{067F22D9-B0BB-F44A-B4D3-AEAA9713E812}" type="datetimeFigureOut">
               <a:rPr lang="en-US" smtClean="0"/>
-              <a:t>5/3/25</a:t>
+              <a:t>5/13/25</a:t>
             </a:fld>
             <a:endParaRPr lang="en-US"/>
           </a:p>
@@ -1078,7 +1083,7 @@
           <a:p>
             <a:fld id="{B97C574C-5E1C-7440-9FFC-BC43351E2B40}" type="datetimeFigureOut">
               <a:rPr lang="en-US" smtClean="0"/>
-              <a:t>4/26/25</a:t>
+              <a:t>5/13/25</a:t>
             </a:fld>
             <a:endParaRPr lang="en-US"/>
           </a:p>
@@ -1276,7 +1281,7 @@
           <a:p>
             <a:fld id="{B97C574C-5E1C-7440-9FFC-BC43351E2B40}" type="datetimeFigureOut">
               <a:rPr lang="en-US" smtClean="0"/>
-              <a:t>4/26/25</a:t>
+              <a:t>5/13/25</a:t>
             </a:fld>
             <a:endParaRPr lang="en-US"/>
           </a:p>
@@ -1484,7 +1489,7 @@
           <a:p>
             <a:fld id="{B97C574C-5E1C-7440-9FFC-BC43351E2B40}" type="datetimeFigureOut">
               <a:rPr lang="en-US" smtClean="0"/>
-              <a:t>4/26/25</a:t>
+              <a:t>5/13/25</a:t>
             </a:fld>
             <a:endParaRPr lang="en-US"/>
           </a:p>
@@ -1682,7 +1687,7 @@
           <a:p>
             <a:fld id="{B97C574C-5E1C-7440-9FFC-BC43351E2B40}" type="datetimeFigureOut">
               <a:rPr lang="en-US" smtClean="0"/>
-              <a:t>4/26/25</a:t>
+              <a:t>5/13/25</a:t>
             </a:fld>
             <a:endParaRPr lang="en-US"/>
           </a:p>
@@ -1957,7 +1962,7 @@
           <a:p>
             <a:fld id="{B97C574C-5E1C-7440-9FFC-BC43351E2B40}" type="datetimeFigureOut">
               <a:rPr lang="en-US" smtClean="0"/>
-              <a:t>4/26/25</a:t>
+              <a:t>5/13/25</a:t>
             </a:fld>
             <a:endParaRPr lang="en-US"/>
           </a:p>
@@ -2222,7 +2227,7 @@
           <a:p>
             <a:fld id="{B97C574C-5E1C-7440-9FFC-BC43351E2B40}" type="datetimeFigureOut">
               <a:rPr lang="en-US" smtClean="0"/>
-              <a:t>4/26/25</a:t>
+              <a:t>5/13/25</a:t>
             </a:fld>
             <a:endParaRPr lang="en-US"/>
           </a:p>
@@ -2634,7 +2639,7 @@
           <a:p>
             <a:fld id="{B97C574C-5E1C-7440-9FFC-BC43351E2B40}" type="datetimeFigureOut">
               <a:rPr lang="en-US" smtClean="0"/>
-              <a:t>4/26/25</a:t>
+              <a:t>5/13/25</a:t>
             </a:fld>
             <a:endParaRPr lang="en-US"/>
           </a:p>
@@ -2775,7 +2780,7 @@
           <a:p>
             <a:fld id="{B97C574C-5E1C-7440-9FFC-BC43351E2B40}" type="datetimeFigureOut">
               <a:rPr lang="en-US" smtClean="0"/>
-              <a:t>4/26/25</a:t>
+              <a:t>5/13/25</a:t>
             </a:fld>
             <a:endParaRPr lang="en-US"/>
           </a:p>
@@ -2888,7 +2893,7 @@
           <a:p>
             <a:fld id="{B97C574C-5E1C-7440-9FFC-BC43351E2B40}" type="datetimeFigureOut">
               <a:rPr lang="en-US" smtClean="0"/>
-              <a:t>4/26/25</a:t>
+              <a:t>5/13/25</a:t>
             </a:fld>
             <a:endParaRPr lang="en-US"/>
           </a:p>
@@ -3199,7 +3204,7 @@
           <a:p>
             <a:fld id="{B97C574C-5E1C-7440-9FFC-BC43351E2B40}" type="datetimeFigureOut">
               <a:rPr lang="en-US" smtClean="0"/>
-              <a:t>4/26/25</a:t>
+              <a:t>5/13/25</a:t>
             </a:fld>
             <a:endParaRPr lang="en-US"/>
           </a:p>
@@ -3487,7 +3492,7 @@
           <a:p>
             <a:fld id="{B97C574C-5E1C-7440-9FFC-BC43351E2B40}" type="datetimeFigureOut">
               <a:rPr lang="en-US" smtClean="0"/>
-              <a:t>4/26/25</a:t>
+              <a:t>5/13/25</a:t>
             </a:fld>
             <a:endParaRPr lang="en-US"/>
           </a:p>
@@ -3728,7 +3733,7 @@
           <a:p>
             <a:fld id="{B97C574C-5E1C-7440-9FFC-BC43351E2B40}" type="datetimeFigureOut">
               <a:rPr lang="en-US" smtClean="0"/>
-              <a:t>4/26/25</a:t>
+              <a:t>5/13/25</a:t>
             </a:fld>
             <a:endParaRPr lang="en-US"/>
           </a:p>
@@ -6936,8 +6941,8 @@
           </a:p>
         </p:txBody>
       </p:sp>
-      <mc:AlternateContent xmlns:mc="http://schemas.openxmlformats.org/markup-compatibility/2006">
-        <mc:Choice xmlns:a14="http://schemas.microsoft.com/office/drawing/2010/main" Requires="a14">
+      <mc:AlternateContent xmlns:mc="http://schemas.openxmlformats.org/markup-compatibility/2006" xmlns:a14="http://schemas.microsoft.com/office/drawing/2010/main">
+        <mc:Choice Requires="a14">
           <p:sp>
             <p:nvSpPr>
               <p:cNvPr id="199" name="TextBox 198">
@@ -7056,7 +7061,7 @@
             </p:txBody>
           </p:sp>
         </mc:Choice>
-        <mc:Fallback>
+        <mc:Fallback xmlns="">
           <p:sp>
             <p:nvSpPr>
               <p:cNvPr id="199" name="TextBox 198">
@@ -7775,8 +7780,8 @@
           </a:p>
         </p:txBody>
       </p:sp>
-      <mc:AlternateContent xmlns:mc="http://schemas.openxmlformats.org/markup-compatibility/2006">
-        <mc:Choice xmlns:a14="http://schemas.microsoft.com/office/drawing/2010/main" Requires="a14">
+      <mc:AlternateContent xmlns:mc="http://schemas.openxmlformats.org/markup-compatibility/2006" xmlns:a14="http://schemas.microsoft.com/office/drawing/2010/main">
+        <mc:Choice Requires="a14">
           <p:sp>
             <p:nvSpPr>
               <p:cNvPr id="3" name="Content Placeholder 2">
@@ -7834,7 +7839,7 @@
             </p:txBody>
           </p:sp>
         </mc:Choice>
-        <mc:Fallback>
+        <mc:Fallback xmlns="">
           <p:sp>
             <p:nvSpPr>
               <p:cNvPr id="3" name="Content Placeholder 2">
@@ -7878,8 +7883,8 @@
           </p:sp>
         </mc:Fallback>
       </mc:AlternateContent>
-      <mc:AlternateContent xmlns:mc="http://schemas.openxmlformats.org/markup-compatibility/2006">
-        <mc:Choice xmlns:a14="http://schemas.microsoft.com/office/drawing/2010/main" Requires="a14">
+      <mc:AlternateContent xmlns:mc="http://schemas.openxmlformats.org/markup-compatibility/2006" xmlns:a14="http://schemas.microsoft.com/office/drawing/2010/main">
+        <mc:Choice Requires="a14">
           <p:sp>
             <p:nvSpPr>
               <p:cNvPr id="6" name="Content Placeholder 2">
@@ -8158,7 +8163,7 @@
             </p:txBody>
           </p:sp>
         </mc:Choice>
-        <mc:Fallback>
+        <mc:Fallback xmlns="">
           <p:sp>
             <p:nvSpPr>
               <p:cNvPr id="6" name="Content Placeholder 2">
